--- a/Digital News Platform.pptx
+++ b/Digital News Platform.pptx
@@ -3703,6 +3703,13 @@
   <p:clrMapOvr>
     <a:masterClrMapping/>
   </p:clrMapOvr>
+  <p:timing>
+    <p:tnLst>
+      <p:par>
+        <p:cTn id="1" dur="indefinite" restart="never" nodeType="tmRoot"/>
+      </p:par>
+    </p:tnLst>
+  </p:timing>
 </p:sld>
 </file>
 
@@ -3872,6 +3879,13 @@
   <p:clrMapOvr>
     <a:masterClrMapping/>
   </p:clrMapOvr>
+  <p:timing>
+    <p:tnLst>
+      <p:par>
+        <p:cTn id="1" dur="indefinite" restart="never" nodeType="tmRoot"/>
+      </p:par>
+    </p:tnLst>
+  </p:timing>
 </p:sld>
 </file>
 
@@ -3953,6 +3967,13 @@
   <p:clrMapOvr>
     <a:masterClrMapping/>
   </p:clrMapOvr>
+  <p:timing>
+    <p:tnLst>
+      <p:par>
+        <p:cTn id="1" dur="indefinite" restart="never" nodeType="tmRoot"/>
+      </p:par>
+    </p:tnLst>
+  </p:timing>
 </p:sld>
 </file>
 
@@ -4919,7 +4940,7 @@
         <p:spPr/>
         <p:txBody>
           <a:bodyPr>
-            <a:normAutofit fontScale="85000" lnSpcReduction="20000"/>
+            <a:normAutofit fontScale="92500" lnSpcReduction="20000"/>
           </a:bodyPr>
           <a:lstStyle/>
           <a:p>
@@ -5010,11 +5031,11 @@
             <a:endParaRPr lang="en-IN" dirty="0"/>
           </a:p>
           <a:p>
-            <a:endParaRPr lang="en-IN" dirty="0" smtClean="0"/>
-          </a:p>
-          <a:p>
-            <a:r>
-              <a:rPr lang="en-IN" dirty="0" smtClean="0"/>
+            <a:pPr marL="0" indent="0">
+              <a:buNone/>
+            </a:pPr>
+            <a:r>
+              <a:rPr lang="en-IN" smtClean="0"/>
               <a:t> </a:t>
             </a:r>
             <a:endParaRPr lang="en-IN" dirty="0"/>
@@ -5031,6 +5052,13 @@
   <p:clrMapOvr>
     <a:masterClrMapping/>
   </p:clrMapOvr>
+  <p:timing>
+    <p:tnLst>
+      <p:par>
+        <p:cTn id="1" dur="indefinite" restart="never" nodeType="tmRoot"/>
+      </p:par>
+    </p:tnLst>
+  </p:timing>
 </p:sld>
 </file>
 
